--- a/Features.pptx
+++ b/Features.pptx
@@ -7,8 +7,9 @@
     <p:sldMasterId id="2147483720" r:id="rId3"/>
   </p:sldMasterIdLst>
   <p:sldIdLst>
-    <p:sldId id="258" r:id="rId4"/>
-    <p:sldId id="259" r:id="rId5"/>
+    <p:sldId id="260" r:id="rId4"/>
+    <p:sldId id="258" r:id="rId5"/>
+    <p:sldId id="259" r:id="rId6"/>
   </p:sldIdLst>
   <p:sldSz cx="9144000" cy="6858000" type="screen4x3"/>
   <p:notesSz cx="6858000" cy="9144000"/>
@@ -157,10 +158,9 @@
           </a:lstStyle>
           <a:p>
             <a:r>
-              <a:rPr lang="pt-BR" smtClean="0"/>
+              <a:rPr lang="pt-BR"/>
               <a:t>Clique para editar o título mestre</a:t>
             </a:r>
-            <a:endParaRPr lang="pt-BR"/>
           </a:p>
         </p:txBody>
       </p:sp>
@@ -222,10 +222,9 @@
           </a:lstStyle>
           <a:p>
             <a:r>
-              <a:rPr lang="pt-BR" smtClean="0"/>
+              <a:rPr lang="pt-BR"/>
               <a:t>Clique para editar o estilo do subtítulo mestre</a:t>
             </a:r>
-            <a:endParaRPr lang="pt-BR"/>
           </a:p>
         </p:txBody>
       </p:sp>
@@ -246,7 +245,7 @@
           <a:p>
             <a:fld id="{EBA99857-7A21-41BE-8414-72E7464E5CB2}" type="datetimeFigureOut">
               <a:rPr lang="pt-BR" smtClean="0"/>
-              <a:t>08/08/2016</a:t>
+              <a:t>19/01/2019</a:t>
             </a:fld>
             <a:endParaRPr lang="pt-BR"/>
           </a:p>
@@ -288,7 +287,7 @@
           <a:p>
             <a:fld id="{476942CE-507D-4A48-BD43-E18C229865A6}" type="slidenum">
               <a:rPr lang="pt-BR" smtClean="0"/>
-              <a:t>‹nº›</a:t>
+              <a:t>‹#›</a:t>
             </a:fld>
             <a:endParaRPr lang="pt-BR"/>
           </a:p>
@@ -340,10 +339,9 @@
           <a:lstStyle/>
           <a:p>
             <a:r>
-              <a:rPr lang="pt-BR" smtClean="0"/>
+              <a:rPr lang="pt-BR"/>
               <a:t>Clique para editar o título mestre</a:t>
             </a:r>
-            <a:endParaRPr lang="pt-BR"/>
           </a:p>
         </p:txBody>
       </p:sp>
@@ -364,38 +362,37 @@
           <a:p>
             <a:pPr lvl="0"/>
             <a:r>
-              <a:rPr lang="pt-BR" smtClean="0"/>
+              <a:rPr lang="pt-BR"/>
               <a:t>Clique para editar o texto mestre</a:t>
             </a:r>
           </a:p>
           <a:p>
             <a:pPr lvl="1"/>
             <a:r>
-              <a:rPr lang="pt-BR" smtClean="0"/>
+              <a:rPr lang="pt-BR"/>
               <a:t>Segundo nível</a:t>
             </a:r>
           </a:p>
           <a:p>
             <a:pPr lvl="2"/>
             <a:r>
-              <a:rPr lang="pt-BR" smtClean="0"/>
+              <a:rPr lang="pt-BR"/>
               <a:t>Terceiro nível</a:t>
             </a:r>
           </a:p>
           <a:p>
             <a:pPr lvl="3"/>
             <a:r>
-              <a:rPr lang="pt-BR" smtClean="0"/>
+              <a:rPr lang="pt-BR"/>
               <a:t>Quarto nível</a:t>
             </a:r>
           </a:p>
           <a:p>
             <a:pPr lvl="4"/>
             <a:r>
-              <a:rPr lang="pt-BR" smtClean="0"/>
+              <a:rPr lang="pt-BR"/>
               <a:t>Quinto nível</a:t>
             </a:r>
-            <a:endParaRPr lang="pt-BR"/>
           </a:p>
         </p:txBody>
       </p:sp>
@@ -416,7 +413,7 @@
           <a:p>
             <a:fld id="{EBA99857-7A21-41BE-8414-72E7464E5CB2}" type="datetimeFigureOut">
               <a:rPr lang="pt-BR" smtClean="0"/>
-              <a:t>08/08/2016</a:t>
+              <a:t>19/01/2019</a:t>
             </a:fld>
             <a:endParaRPr lang="pt-BR"/>
           </a:p>
@@ -458,7 +455,7 @@
           <a:p>
             <a:fld id="{476942CE-507D-4A48-BD43-E18C229865A6}" type="slidenum">
               <a:rPr lang="pt-BR" smtClean="0"/>
-              <a:t>‹nº›</a:t>
+              <a:t>‹#›</a:t>
             </a:fld>
             <a:endParaRPr lang="pt-BR"/>
           </a:p>
@@ -515,10 +512,9 @@
           <a:lstStyle/>
           <a:p>
             <a:r>
-              <a:rPr lang="pt-BR" smtClean="0"/>
+              <a:rPr lang="pt-BR"/>
               <a:t>Clique para editar o título mestre</a:t>
             </a:r>
-            <a:endParaRPr lang="pt-BR"/>
           </a:p>
         </p:txBody>
       </p:sp>
@@ -544,38 +540,37 @@
           <a:p>
             <a:pPr lvl="0"/>
             <a:r>
-              <a:rPr lang="pt-BR" smtClean="0"/>
+              <a:rPr lang="pt-BR"/>
               <a:t>Clique para editar o texto mestre</a:t>
             </a:r>
           </a:p>
           <a:p>
             <a:pPr lvl="1"/>
             <a:r>
-              <a:rPr lang="pt-BR" smtClean="0"/>
+              <a:rPr lang="pt-BR"/>
               <a:t>Segundo nível</a:t>
             </a:r>
           </a:p>
           <a:p>
             <a:pPr lvl="2"/>
             <a:r>
-              <a:rPr lang="pt-BR" smtClean="0"/>
+              <a:rPr lang="pt-BR"/>
               <a:t>Terceiro nível</a:t>
             </a:r>
           </a:p>
           <a:p>
             <a:pPr lvl="3"/>
             <a:r>
-              <a:rPr lang="pt-BR" smtClean="0"/>
+              <a:rPr lang="pt-BR"/>
               <a:t>Quarto nível</a:t>
             </a:r>
           </a:p>
           <a:p>
             <a:pPr lvl="4"/>
             <a:r>
-              <a:rPr lang="pt-BR" smtClean="0"/>
+              <a:rPr lang="pt-BR"/>
               <a:t>Quinto nível</a:t>
             </a:r>
-            <a:endParaRPr lang="pt-BR"/>
           </a:p>
         </p:txBody>
       </p:sp>
@@ -596,7 +591,7 @@
           <a:p>
             <a:fld id="{EBA99857-7A21-41BE-8414-72E7464E5CB2}" type="datetimeFigureOut">
               <a:rPr lang="pt-BR" smtClean="0"/>
-              <a:t>08/08/2016</a:t>
+              <a:t>19/01/2019</a:t>
             </a:fld>
             <a:endParaRPr lang="pt-BR"/>
           </a:p>
@@ -638,7 +633,7 @@
           <a:p>
             <a:fld id="{476942CE-507D-4A48-BD43-E18C229865A6}" type="slidenum">
               <a:rPr lang="pt-BR" smtClean="0"/>
-              <a:t>‹nº›</a:t>
+              <a:t>‹#›</a:t>
             </a:fld>
             <a:endParaRPr lang="pt-BR"/>
           </a:p>
@@ -699,10 +694,9 @@
           </a:lstStyle>
           <a:p>
             <a:r>
-              <a:rPr lang="pt-BR" smtClean="0"/>
+              <a:rPr lang="pt-BR"/>
               <a:t>Clique para editar o título mestre</a:t>
             </a:r>
-            <a:endParaRPr lang="pt-BR"/>
           </a:p>
         </p:txBody>
       </p:sp>
@@ -764,10 +758,9 @@
           </a:lstStyle>
           <a:p>
             <a:r>
-              <a:rPr lang="pt-BR" smtClean="0"/>
+              <a:rPr lang="pt-BR"/>
               <a:t>Clique para editar o estilo do subtítulo mestre</a:t>
             </a:r>
-            <a:endParaRPr lang="pt-BR"/>
           </a:p>
         </p:txBody>
       </p:sp>
@@ -795,7 +788,7 @@
                 </a:solidFill>
               </a:rPr>
               <a:pPr/>
-              <a:t>08/08/2016</a:t>
+              <a:t>19/01/2019</a:t>
             </a:fld>
             <a:endParaRPr lang="pt-BR">
               <a:solidFill>
@@ -856,7 +849,7 @@
                 </a:solidFill>
               </a:rPr>
               <a:pPr/>
-              <a:t>‹nº›</a:t>
+              <a:t>‹#›</a:t>
             </a:fld>
             <a:endParaRPr lang="pt-BR">
               <a:solidFill>
@@ -914,10 +907,9 @@
           <a:lstStyle/>
           <a:p>
             <a:r>
-              <a:rPr lang="pt-BR" smtClean="0"/>
+              <a:rPr lang="pt-BR"/>
               <a:t>Clique para editar o título mestre</a:t>
             </a:r>
-            <a:endParaRPr lang="pt-BR"/>
           </a:p>
         </p:txBody>
       </p:sp>
@@ -938,38 +930,37 @@
           <a:p>
             <a:pPr lvl="0"/>
             <a:r>
-              <a:rPr lang="pt-BR" smtClean="0"/>
+              <a:rPr lang="pt-BR"/>
               <a:t>Clique para editar o texto mestre</a:t>
             </a:r>
           </a:p>
           <a:p>
             <a:pPr lvl="1"/>
             <a:r>
-              <a:rPr lang="pt-BR" smtClean="0"/>
+              <a:rPr lang="pt-BR"/>
               <a:t>Segundo nível</a:t>
             </a:r>
           </a:p>
           <a:p>
             <a:pPr lvl="2"/>
             <a:r>
-              <a:rPr lang="pt-BR" smtClean="0"/>
+              <a:rPr lang="pt-BR"/>
               <a:t>Terceiro nível</a:t>
             </a:r>
           </a:p>
           <a:p>
             <a:pPr lvl="3"/>
             <a:r>
-              <a:rPr lang="pt-BR" smtClean="0"/>
+              <a:rPr lang="pt-BR"/>
               <a:t>Quarto nível</a:t>
             </a:r>
           </a:p>
           <a:p>
             <a:pPr lvl="4"/>
             <a:r>
-              <a:rPr lang="pt-BR" smtClean="0"/>
+              <a:rPr lang="pt-BR"/>
               <a:t>Quinto nível</a:t>
             </a:r>
-            <a:endParaRPr lang="pt-BR"/>
           </a:p>
         </p:txBody>
       </p:sp>
@@ -997,7 +988,7 @@
                 </a:solidFill>
               </a:rPr>
               <a:pPr/>
-              <a:t>08/08/2016</a:t>
+              <a:t>19/01/2019</a:t>
             </a:fld>
             <a:endParaRPr lang="pt-BR">
               <a:solidFill>
@@ -1058,7 +1049,7 @@
                 </a:solidFill>
               </a:rPr>
               <a:pPr/>
-              <a:t>‹nº›</a:t>
+              <a:t>‹#›</a:t>
             </a:fld>
             <a:endParaRPr lang="pt-BR">
               <a:solidFill>
@@ -1125,10 +1116,9 @@
           </a:lstStyle>
           <a:p>
             <a:r>
-              <a:rPr lang="pt-BR" smtClean="0"/>
+              <a:rPr lang="pt-BR"/>
               <a:t>Clique para editar o título mestre</a:t>
             </a:r>
-            <a:endParaRPr lang="pt-BR"/>
           </a:p>
         </p:txBody>
       </p:sp>
@@ -1245,7 +1235,7 @@
           <a:p>
             <a:pPr lvl="0"/>
             <a:r>
-              <a:rPr lang="pt-BR" smtClean="0"/>
+              <a:rPr lang="pt-BR"/>
               <a:t>Clique para editar o texto mestre</a:t>
             </a:r>
           </a:p>
@@ -1275,7 +1265,7 @@
                 </a:solidFill>
               </a:rPr>
               <a:pPr/>
-              <a:t>08/08/2016</a:t>
+              <a:t>19/01/2019</a:t>
             </a:fld>
             <a:endParaRPr lang="pt-BR">
               <a:solidFill>
@@ -1336,7 +1326,7 @@
                 </a:solidFill>
               </a:rPr>
               <a:pPr/>
-              <a:t>‹nº›</a:t>
+              <a:t>‹#›</a:t>
             </a:fld>
             <a:endParaRPr lang="pt-BR">
               <a:solidFill>
@@ -1394,10 +1384,9 @@
           <a:lstStyle/>
           <a:p>
             <a:r>
-              <a:rPr lang="pt-BR" smtClean="0"/>
+              <a:rPr lang="pt-BR"/>
               <a:t>Clique para editar o título mestre</a:t>
             </a:r>
-            <a:endParaRPr lang="pt-BR"/>
           </a:p>
         </p:txBody>
       </p:sp>
@@ -1423,38 +1412,37 @@
           <a:p>
             <a:pPr lvl="0"/>
             <a:r>
-              <a:rPr lang="pt-BR" smtClean="0"/>
+              <a:rPr lang="pt-BR"/>
               <a:t>Clique para editar o texto mestre</a:t>
             </a:r>
           </a:p>
           <a:p>
             <a:pPr lvl="1"/>
             <a:r>
-              <a:rPr lang="pt-BR" smtClean="0"/>
+              <a:rPr lang="pt-BR"/>
               <a:t>Segundo nível</a:t>
             </a:r>
           </a:p>
           <a:p>
             <a:pPr lvl="2"/>
             <a:r>
-              <a:rPr lang="pt-BR" smtClean="0"/>
+              <a:rPr lang="pt-BR"/>
               <a:t>Terceiro nível</a:t>
             </a:r>
           </a:p>
           <a:p>
             <a:pPr lvl="3"/>
             <a:r>
-              <a:rPr lang="pt-BR" smtClean="0"/>
+              <a:rPr lang="pt-BR"/>
               <a:t>Quarto nível</a:t>
             </a:r>
           </a:p>
           <a:p>
             <a:pPr lvl="4"/>
             <a:r>
-              <a:rPr lang="pt-BR" smtClean="0"/>
+              <a:rPr lang="pt-BR"/>
               <a:t>Quinto nível</a:t>
             </a:r>
-            <a:endParaRPr lang="pt-BR"/>
           </a:p>
         </p:txBody>
       </p:sp>
@@ -1480,38 +1468,37 @@
           <a:p>
             <a:pPr lvl="0"/>
             <a:r>
-              <a:rPr lang="pt-BR" smtClean="0"/>
+              <a:rPr lang="pt-BR"/>
               <a:t>Clique para editar o texto mestre</a:t>
             </a:r>
           </a:p>
           <a:p>
             <a:pPr lvl="1"/>
             <a:r>
-              <a:rPr lang="pt-BR" smtClean="0"/>
+              <a:rPr lang="pt-BR"/>
               <a:t>Segundo nível</a:t>
             </a:r>
           </a:p>
           <a:p>
             <a:pPr lvl="2"/>
             <a:r>
-              <a:rPr lang="pt-BR" smtClean="0"/>
+              <a:rPr lang="pt-BR"/>
               <a:t>Terceiro nível</a:t>
             </a:r>
           </a:p>
           <a:p>
             <a:pPr lvl="3"/>
             <a:r>
-              <a:rPr lang="pt-BR" smtClean="0"/>
+              <a:rPr lang="pt-BR"/>
               <a:t>Quarto nível</a:t>
             </a:r>
           </a:p>
           <a:p>
             <a:pPr lvl="4"/>
             <a:r>
-              <a:rPr lang="pt-BR" smtClean="0"/>
+              <a:rPr lang="pt-BR"/>
               <a:t>Quinto nível</a:t>
             </a:r>
-            <a:endParaRPr lang="pt-BR"/>
           </a:p>
         </p:txBody>
       </p:sp>
@@ -1539,7 +1526,7 @@
                 </a:solidFill>
               </a:rPr>
               <a:pPr/>
-              <a:t>08/08/2016</a:t>
+              <a:t>19/01/2019</a:t>
             </a:fld>
             <a:endParaRPr lang="pt-BR">
               <a:solidFill>
@@ -1600,7 +1587,7 @@
                 </a:solidFill>
               </a:rPr>
               <a:pPr/>
-              <a:t>‹nº›</a:t>
+              <a:t>‹#›</a:t>
             </a:fld>
             <a:endParaRPr lang="pt-BR">
               <a:solidFill>
@@ -1663,10 +1650,9 @@
           <a:lstStyle/>
           <a:p>
             <a:r>
-              <a:rPr lang="pt-BR" smtClean="0"/>
+              <a:rPr lang="pt-BR"/>
               <a:t>Clique para editar o título mestre</a:t>
             </a:r>
-            <a:endParaRPr lang="pt-BR"/>
           </a:p>
         </p:txBody>
       </p:sp>
@@ -1729,7 +1715,7 @@
           <a:p>
             <a:pPr lvl="0"/>
             <a:r>
-              <a:rPr lang="pt-BR" smtClean="0"/>
+              <a:rPr lang="pt-BR"/>
               <a:t>Clique para editar o texto mestre</a:t>
             </a:r>
           </a:p>
@@ -1757,38 +1743,37 @@
           <a:p>
             <a:pPr lvl="0"/>
             <a:r>
-              <a:rPr lang="pt-BR" smtClean="0"/>
+              <a:rPr lang="pt-BR"/>
               <a:t>Clique para editar o texto mestre</a:t>
             </a:r>
           </a:p>
           <a:p>
             <a:pPr lvl="1"/>
             <a:r>
-              <a:rPr lang="pt-BR" smtClean="0"/>
+              <a:rPr lang="pt-BR"/>
               <a:t>Segundo nível</a:t>
             </a:r>
           </a:p>
           <a:p>
             <a:pPr lvl="2"/>
             <a:r>
-              <a:rPr lang="pt-BR" smtClean="0"/>
+              <a:rPr lang="pt-BR"/>
               <a:t>Terceiro nível</a:t>
             </a:r>
           </a:p>
           <a:p>
             <a:pPr lvl="3"/>
             <a:r>
-              <a:rPr lang="pt-BR" smtClean="0"/>
+              <a:rPr lang="pt-BR"/>
               <a:t>Quarto nível</a:t>
             </a:r>
           </a:p>
           <a:p>
             <a:pPr lvl="4"/>
             <a:r>
-              <a:rPr lang="pt-BR" smtClean="0"/>
+              <a:rPr lang="pt-BR"/>
               <a:t>Quinto nível</a:t>
             </a:r>
-            <a:endParaRPr lang="pt-BR"/>
           </a:p>
         </p:txBody>
       </p:sp>
@@ -1851,7 +1836,7 @@
           <a:p>
             <a:pPr lvl="0"/>
             <a:r>
-              <a:rPr lang="pt-BR" smtClean="0"/>
+              <a:rPr lang="pt-BR"/>
               <a:t>Clique para editar o texto mestre</a:t>
             </a:r>
           </a:p>
@@ -1879,38 +1864,37 @@
           <a:p>
             <a:pPr lvl="0"/>
             <a:r>
-              <a:rPr lang="pt-BR" smtClean="0"/>
+              <a:rPr lang="pt-BR"/>
               <a:t>Clique para editar o texto mestre</a:t>
             </a:r>
           </a:p>
           <a:p>
             <a:pPr lvl="1"/>
             <a:r>
-              <a:rPr lang="pt-BR" smtClean="0"/>
+              <a:rPr lang="pt-BR"/>
               <a:t>Segundo nível</a:t>
             </a:r>
           </a:p>
           <a:p>
             <a:pPr lvl="2"/>
             <a:r>
-              <a:rPr lang="pt-BR" smtClean="0"/>
+              <a:rPr lang="pt-BR"/>
               <a:t>Terceiro nível</a:t>
             </a:r>
           </a:p>
           <a:p>
             <a:pPr lvl="3"/>
             <a:r>
-              <a:rPr lang="pt-BR" smtClean="0"/>
+              <a:rPr lang="pt-BR"/>
               <a:t>Quarto nível</a:t>
             </a:r>
           </a:p>
           <a:p>
             <a:pPr lvl="4"/>
             <a:r>
-              <a:rPr lang="pt-BR" smtClean="0"/>
+              <a:rPr lang="pt-BR"/>
               <a:t>Quinto nível</a:t>
             </a:r>
-            <a:endParaRPr lang="pt-BR"/>
           </a:p>
         </p:txBody>
       </p:sp>
@@ -1938,7 +1922,7 @@
                 </a:solidFill>
               </a:rPr>
               <a:pPr/>
-              <a:t>08/08/2016</a:t>
+              <a:t>19/01/2019</a:t>
             </a:fld>
             <a:endParaRPr lang="pt-BR">
               <a:solidFill>
@@ -1999,7 +1983,7 @@
                 </a:solidFill>
               </a:rPr>
               <a:pPr/>
-              <a:t>‹nº›</a:t>
+              <a:t>‹#›</a:t>
             </a:fld>
             <a:endParaRPr lang="pt-BR">
               <a:solidFill>
@@ -2057,10 +2041,9 @@
           <a:lstStyle/>
           <a:p>
             <a:r>
-              <a:rPr lang="pt-BR" smtClean="0"/>
+              <a:rPr lang="pt-BR"/>
               <a:t>Clique para editar o título mestre</a:t>
             </a:r>
-            <a:endParaRPr lang="pt-BR"/>
           </a:p>
         </p:txBody>
       </p:sp>
@@ -2088,7 +2071,7 @@
                 </a:solidFill>
               </a:rPr>
               <a:pPr/>
-              <a:t>08/08/2016</a:t>
+              <a:t>19/01/2019</a:t>
             </a:fld>
             <a:endParaRPr lang="pt-BR">
               <a:solidFill>
@@ -2149,7 +2132,7 @@
                 </a:solidFill>
               </a:rPr>
               <a:pPr/>
-              <a:t>‹nº›</a:t>
+              <a:t>‹#›</a:t>
             </a:fld>
             <a:endParaRPr lang="pt-BR">
               <a:solidFill>
@@ -2215,7 +2198,7 @@
                 </a:solidFill>
               </a:rPr>
               <a:pPr/>
-              <a:t>08/08/2016</a:t>
+              <a:t>19/01/2019</a:t>
             </a:fld>
             <a:endParaRPr lang="pt-BR">
               <a:solidFill>
@@ -2276,7 +2259,7 @@
                 </a:solidFill>
               </a:rPr>
               <a:pPr/>
-              <a:t>‹nº›</a:t>
+              <a:t>‹#›</a:t>
             </a:fld>
             <a:endParaRPr lang="pt-BR">
               <a:solidFill>
@@ -2343,10 +2326,9 @@
           </a:lstStyle>
           <a:p>
             <a:r>
-              <a:rPr lang="pt-BR" smtClean="0"/>
+              <a:rPr lang="pt-BR"/>
               <a:t>Clique para editar o título mestre</a:t>
             </a:r>
-            <a:endParaRPr lang="pt-BR"/>
           </a:p>
         </p:txBody>
       </p:sp>
@@ -2400,38 +2382,37 @@
           <a:p>
             <a:pPr lvl="0"/>
             <a:r>
-              <a:rPr lang="pt-BR" smtClean="0"/>
+              <a:rPr lang="pt-BR"/>
               <a:t>Clique para editar o texto mestre</a:t>
             </a:r>
           </a:p>
           <a:p>
             <a:pPr lvl="1"/>
             <a:r>
-              <a:rPr lang="pt-BR" smtClean="0"/>
+              <a:rPr lang="pt-BR"/>
               <a:t>Segundo nível</a:t>
             </a:r>
           </a:p>
           <a:p>
             <a:pPr lvl="2"/>
             <a:r>
-              <a:rPr lang="pt-BR" smtClean="0"/>
+              <a:rPr lang="pt-BR"/>
               <a:t>Terceiro nível</a:t>
             </a:r>
           </a:p>
           <a:p>
             <a:pPr lvl="3"/>
             <a:r>
-              <a:rPr lang="pt-BR" smtClean="0"/>
+              <a:rPr lang="pt-BR"/>
               <a:t>Quarto nível</a:t>
             </a:r>
           </a:p>
           <a:p>
             <a:pPr lvl="4"/>
             <a:r>
-              <a:rPr lang="pt-BR" smtClean="0"/>
+              <a:rPr lang="pt-BR"/>
               <a:t>Quinto nível</a:t>
             </a:r>
-            <a:endParaRPr lang="pt-BR"/>
           </a:p>
         </p:txBody>
       </p:sp>
@@ -2494,7 +2475,7 @@
           <a:p>
             <a:pPr lvl="0"/>
             <a:r>
-              <a:rPr lang="pt-BR" smtClean="0"/>
+              <a:rPr lang="pt-BR"/>
               <a:t>Clique para editar o texto mestre</a:t>
             </a:r>
           </a:p>
@@ -2524,7 +2505,7 @@
                 </a:solidFill>
               </a:rPr>
               <a:pPr/>
-              <a:t>08/08/2016</a:t>
+              <a:t>19/01/2019</a:t>
             </a:fld>
             <a:endParaRPr lang="pt-BR">
               <a:solidFill>
@@ -2585,7 +2566,7 @@
                 </a:solidFill>
               </a:rPr>
               <a:pPr/>
-              <a:t>‹nº›</a:t>
+              <a:t>‹#›</a:t>
             </a:fld>
             <a:endParaRPr lang="pt-BR">
               <a:solidFill>
@@ -2643,10 +2624,9 @@
           <a:lstStyle/>
           <a:p>
             <a:r>
-              <a:rPr lang="pt-BR" smtClean="0"/>
+              <a:rPr lang="pt-BR"/>
               <a:t>Clique para editar o título mestre</a:t>
             </a:r>
-            <a:endParaRPr lang="pt-BR"/>
           </a:p>
         </p:txBody>
       </p:sp>
@@ -2667,38 +2647,37 @@
           <a:p>
             <a:pPr lvl="0"/>
             <a:r>
-              <a:rPr lang="pt-BR" smtClean="0"/>
+              <a:rPr lang="pt-BR"/>
               <a:t>Clique para editar o texto mestre</a:t>
             </a:r>
           </a:p>
           <a:p>
             <a:pPr lvl="1"/>
             <a:r>
-              <a:rPr lang="pt-BR" smtClean="0"/>
+              <a:rPr lang="pt-BR"/>
               <a:t>Segundo nível</a:t>
             </a:r>
           </a:p>
           <a:p>
             <a:pPr lvl="2"/>
             <a:r>
-              <a:rPr lang="pt-BR" smtClean="0"/>
+              <a:rPr lang="pt-BR"/>
               <a:t>Terceiro nível</a:t>
             </a:r>
           </a:p>
           <a:p>
             <a:pPr lvl="3"/>
             <a:r>
-              <a:rPr lang="pt-BR" smtClean="0"/>
+              <a:rPr lang="pt-BR"/>
               <a:t>Quarto nível</a:t>
             </a:r>
           </a:p>
           <a:p>
             <a:pPr lvl="4"/>
             <a:r>
-              <a:rPr lang="pt-BR" smtClean="0"/>
+              <a:rPr lang="pt-BR"/>
               <a:t>Quinto nível</a:t>
             </a:r>
-            <a:endParaRPr lang="pt-BR"/>
           </a:p>
         </p:txBody>
       </p:sp>
@@ -2719,7 +2698,7 @@
           <a:p>
             <a:fld id="{EBA99857-7A21-41BE-8414-72E7464E5CB2}" type="datetimeFigureOut">
               <a:rPr lang="pt-BR" smtClean="0"/>
-              <a:t>08/08/2016</a:t>
+              <a:t>19/01/2019</a:t>
             </a:fld>
             <a:endParaRPr lang="pt-BR"/>
           </a:p>
@@ -2761,7 +2740,7 @@
           <a:p>
             <a:fld id="{476942CE-507D-4A48-BD43-E18C229865A6}" type="slidenum">
               <a:rPr lang="pt-BR" smtClean="0"/>
-              <a:t>‹nº›</a:t>
+              <a:t>‹#›</a:t>
             </a:fld>
             <a:endParaRPr lang="pt-BR"/>
           </a:p>
@@ -2822,10 +2801,9 @@
           </a:lstStyle>
           <a:p>
             <a:r>
-              <a:rPr lang="pt-BR" smtClean="0"/>
+              <a:rPr lang="pt-BR"/>
               <a:t>Clique para editar o título mestre</a:t>
             </a:r>
-            <a:endParaRPr lang="pt-BR"/>
           </a:p>
         </p:txBody>
       </p:sp>
@@ -2949,7 +2927,7 @@
           <a:p>
             <a:pPr lvl="0"/>
             <a:r>
-              <a:rPr lang="pt-BR" smtClean="0"/>
+              <a:rPr lang="pt-BR"/>
               <a:t>Clique para editar o texto mestre</a:t>
             </a:r>
           </a:p>
@@ -2979,7 +2957,7 @@
                 </a:solidFill>
               </a:rPr>
               <a:pPr/>
-              <a:t>08/08/2016</a:t>
+              <a:t>19/01/2019</a:t>
             </a:fld>
             <a:endParaRPr lang="pt-BR">
               <a:solidFill>
@@ -3040,7 +3018,7 @@
                 </a:solidFill>
               </a:rPr>
               <a:pPr/>
-              <a:t>‹nº›</a:t>
+              <a:t>‹#›</a:t>
             </a:fld>
             <a:endParaRPr lang="pt-BR">
               <a:solidFill>
@@ -3098,10 +3076,9 @@
           <a:lstStyle/>
           <a:p>
             <a:r>
-              <a:rPr lang="pt-BR" smtClean="0"/>
+              <a:rPr lang="pt-BR"/>
               <a:t>Clique para editar o título mestre</a:t>
             </a:r>
-            <a:endParaRPr lang="pt-BR"/>
           </a:p>
         </p:txBody>
       </p:sp>
@@ -3122,38 +3099,37 @@
           <a:p>
             <a:pPr lvl="0"/>
             <a:r>
-              <a:rPr lang="pt-BR" smtClean="0"/>
+              <a:rPr lang="pt-BR"/>
               <a:t>Clique para editar o texto mestre</a:t>
             </a:r>
           </a:p>
           <a:p>
             <a:pPr lvl="1"/>
             <a:r>
-              <a:rPr lang="pt-BR" smtClean="0"/>
+              <a:rPr lang="pt-BR"/>
               <a:t>Segundo nível</a:t>
             </a:r>
           </a:p>
           <a:p>
             <a:pPr lvl="2"/>
             <a:r>
-              <a:rPr lang="pt-BR" smtClean="0"/>
+              <a:rPr lang="pt-BR"/>
               <a:t>Terceiro nível</a:t>
             </a:r>
           </a:p>
           <a:p>
             <a:pPr lvl="3"/>
             <a:r>
-              <a:rPr lang="pt-BR" smtClean="0"/>
+              <a:rPr lang="pt-BR"/>
               <a:t>Quarto nível</a:t>
             </a:r>
           </a:p>
           <a:p>
             <a:pPr lvl="4"/>
             <a:r>
-              <a:rPr lang="pt-BR" smtClean="0"/>
+              <a:rPr lang="pt-BR"/>
               <a:t>Quinto nível</a:t>
             </a:r>
-            <a:endParaRPr lang="pt-BR"/>
           </a:p>
         </p:txBody>
       </p:sp>
@@ -3181,7 +3157,7 @@
                 </a:solidFill>
               </a:rPr>
               <a:pPr/>
-              <a:t>08/08/2016</a:t>
+              <a:t>19/01/2019</a:t>
             </a:fld>
             <a:endParaRPr lang="pt-BR">
               <a:solidFill>
@@ -3242,7 +3218,7 @@
                 </a:solidFill>
               </a:rPr>
               <a:pPr/>
-              <a:t>‹nº›</a:t>
+              <a:t>‹#›</a:t>
             </a:fld>
             <a:endParaRPr lang="pt-BR">
               <a:solidFill>
@@ -3305,10 +3281,9 @@
           <a:lstStyle/>
           <a:p>
             <a:r>
-              <a:rPr lang="pt-BR" smtClean="0"/>
+              <a:rPr lang="pt-BR"/>
               <a:t>Clique para editar o título mestre</a:t>
             </a:r>
-            <a:endParaRPr lang="pt-BR"/>
           </a:p>
         </p:txBody>
       </p:sp>
@@ -3334,38 +3309,37 @@
           <a:p>
             <a:pPr lvl="0"/>
             <a:r>
-              <a:rPr lang="pt-BR" smtClean="0"/>
+              <a:rPr lang="pt-BR"/>
               <a:t>Clique para editar o texto mestre</a:t>
             </a:r>
           </a:p>
           <a:p>
             <a:pPr lvl="1"/>
             <a:r>
-              <a:rPr lang="pt-BR" smtClean="0"/>
+              <a:rPr lang="pt-BR"/>
               <a:t>Segundo nível</a:t>
             </a:r>
           </a:p>
           <a:p>
             <a:pPr lvl="2"/>
             <a:r>
-              <a:rPr lang="pt-BR" smtClean="0"/>
+              <a:rPr lang="pt-BR"/>
               <a:t>Terceiro nível</a:t>
             </a:r>
           </a:p>
           <a:p>
             <a:pPr lvl="3"/>
             <a:r>
-              <a:rPr lang="pt-BR" smtClean="0"/>
+              <a:rPr lang="pt-BR"/>
               <a:t>Quarto nível</a:t>
             </a:r>
           </a:p>
           <a:p>
             <a:pPr lvl="4"/>
             <a:r>
-              <a:rPr lang="pt-BR" smtClean="0"/>
+              <a:rPr lang="pt-BR"/>
               <a:t>Quinto nível</a:t>
             </a:r>
-            <a:endParaRPr lang="pt-BR"/>
           </a:p>
         </p:txBody>
       </p:sp>
@@ -3393,7 +3367,7 @@
                 </a:solidFill>
               </a:rPr>
               <a:pPr/>
-              <a:t>08/08/2016</a:t>
+              <a:t>19/01/2019</a:t>
             </a:fld>
             <a:endParaRPr lang="pt-BR">
               <a:solidFill>
@@ -3454,7 +3428,7 @@
                 </a:solidFill>
               </a:rPr>
               <a:pPr/>
-              <a:t>‹nº›</a:t>
+              <a:t>‹#›</a:t>
             </a:fld>
             <a:endParaRPr lang="pt-BR">
               <a:solidFill>
@@ -3521,7 +3495,7 @@
           </a:lstStyle>
           <a:p>
             <a:r>
-              <a:rPr lang="pt-BR" smtClean="0"/>
+              <a:rPr lang="pt-BR"/>
               <a:t>Clique para editar o título mestre</a:t>
             </a:r>
             <a:endParaRPr lang="en-US" dirty="0"/>
@@ -3586,7 +3560,7 @@
           </a:lstStyle>
           <a:p>
             <a:r>
-              <a:rPr lang="pt-BR" smtClean="0"/>
+              <a:rPr lang="pt-BR"/>
               <a:t>Clique para editar o estilo do subtítulo mestre</a:t>
             </a:r>
             <a:endParaRPr lang="en-US" dirty="0"/>
@@ -3617,7 +3591,7 @@
                 </a:solidFill>
               </a:rPr>
               <a:pPr/>
-              <a:t>08/08/2016</a:t>
+              <a:t>19/01/2019</a:t>
             </a:fld>
             <a:endParaRPr lang="pt-BR">
               <a:solidFill>
@@ -3678,7 +3652,7 @@
                 </a:solidFill>
               </a:rPr>
               <a:pPr/>
-              <a:t>‹nº›</a:t>
+              <a:t>‹#›</a:t>
             </a:fld>
             <a:endParaRPr lang="pt-BR">
               <a:solidFill>
@@ -3736,7 +3710,7 @@
           <a:lstStyle/>
           <a:p>
             <a:r>
-              <a:rPr lang="pt-BR" smtClean="0"/>
+              <a:rPr lang="pt-BR"/>
               <a:t>Clique para editar o título mestre</a:t>
             </a:r>
             <a:endParaRPr lang="en-US" dirty="0"/>
@@ -3760,35 +3734,35 @@
           <a:p>
             <a:pPr lvl="0"/>
             <a:r>
-              <a:rPr lang="pt-BR" smtClean="0"/>
+              <a:rPr lang="pt-BR"/>
               <a:t>Clique para editar o texto mestre</a:t>
             </a:r>
           </a:p>
           <a:p>
             <a:pPr lvl="1"/>
             <a:r>
-              <a:rPr lang="pt-BR" smtClean="0"/>
+              <a:rPr lang="pt-BR"/>
               <a:t>Segundo nível</a:t>
             </a:r>
           </a:p>
           <a:p>
             <a:pPr lvl="2"/>
             <a:r>
-              <a:rPr lang="pt-BR" smtClean="0"/>
+              <a:rPr lang="pt-BR"/>
               <a:t>Terceiro nível</a:t>
             </a:r>
           </a:p>
           <a:p>
             <a:pPr lvl="3"/>
             <a:r>
-              <a:rPr lang="pt-BR" smtClean="0"/>
+              <a:rPr lang="pt-BR"/>
               <a:t>Quarto nível</a:t>
             </a:r>
           </a:p>
           <a:p>
             <a:pPr lvl="4"/>
             <a:r>
-              <a:rPr lang="pt-BR" smtClean="0"/>
+              <a:rPr lang="pt-BR"/>
               <a:t>Quinto nível</a:t>
             </a:r>
             <a:endParaRPr lang="en-US" dirty="0"/>
@@ -3819,7 +3793,7 @@
                 </a:solidFill>
               </a:rPr>
               <a:pPr/>
-              <a:t>08/08/2016</a:t>
+              <a:t>19/01/2019</a:t>
             </a:fld>
             <a:endParaRPr lang="pt-BR">
               <a:solidFill>
@@ -3880,7 +3854,7 @@
                 </a:solidFill>
               </a:rPr>
               <a:pPr/>
-              <a:t>‹nº›</a:t>
+              <a:t>‹#›</a:t>
             </a:fld>
             <a:endParaRPr lang="pt-BR">
               <a:solidFill>
@@ -3947,7 +3921,7 @@
           </a:lstStyle>
           <a:p>
             <a:r>
-              <a:rPr lang="pt-BR" smtClean="0"/>
+              <a:rPr lang="pt-BR"/>
               <a:t>Clique para editar o título mestre</a:t>
             </a:r>
             <a:endParaRPr lang="en-US" dirty="0"/>
@@ -4065,7 +4039,7 @@
           <a:p>
             <a:pPr lvl="0"/>
             <a:r>
-              <a:rPr lang="pt-BR" smtClean="0"/>
+              <a:rPr lang="pt-BR"/>
               <a:t>Clique para editar o texto mestre</a:t>
             </a:r>
           </a:p>
@@ -4095,7 +4069,7 @@
                 </a:solidFill>
               </a:rPr>
               <a:pPr/>
-              <a:t>08/08/2016</a:t>
+              <a:t>19/01/2019</a:t>
             </a:fld>
             <a:endParaRPr lang="pt-BR">
               <a:solidFill>
@@ -4156,7 +4130,7 @@
                 </a:solidFill>
               </a:rPr>
               <a:pPr/>
-              <a:t>‹nº›</a:t>
+              <a:t>‹#›</a:t>
             </a:fld>
             <a:endParaRPr lang="pt-BR">
               <a:solidFill>
@@ -4214,7 +4188,7 @@
           <a:lstStyle/>
           <a:p>
             <a:r>
-              <a:rPr lang="pt-BR" smtClean="0"/>
+              <a:rPr lang="pt-BR"/>
               <a:t>Clique para editar o título mestre</a:t>
             </a:r>
             <a:endParaRPr lang="en-US" dirty="0"/>
@@ -4243,35 +4217,35 @@
           <a:p>
             <a:pPr lvl="0"/>
             <a:r>
-              <a:rPr lang="pt-BR" smtClean="0"/>
+              <a:rPr lang="pt-BR"/>
               <a:t>Clique para editar o texto mestre</a:t>
             </a:r>
           </a:p>
           <a:p>
             <a:pPr lvl="1"/>
             <a:r>
-              <a:rPr lang="pt-BR" smtClean="0"/>
+              <a:rPr lang="pt-BR"/>
               <a:t>Segundo nível</a:t>
             </a:r>
           </a:p>
           <a:p>
             <a:pPr lvl="2"/>
             <a:r>
-              <a:rPr lang="pt-BR" smtClean="0"/>
+              <a:rPr lang="pt-BR"/>
               <a:t>Terceiro nível</a:t>
             </a:r>
           </a:p>
           <a:p>
             <a:pPr lvl="3"/>
             <a:r>
-              <a:rPr lang="pt-BR" smtClean="0"/>
+              <a:rPr lang="pt-BR"/>
               <a:t>Quarto nível</a:t>
             </a:r>
           </a:p>
           <a:p>
             <a:pPr lvl="4"/>
             <a:r>
-              <a:rPr lang="pt-BR" smtClean="0"/>
+              <a:rPr lang="pt-BR"/>
               <a:t>Quinto nível</a:t>
             </a:r>
             <a:endParaRPr lang="en-US" dirty="0"/>
@@ -4300,35 +4274,35 @@
           <a:p>
             <a:pPr lvl="0"/>
             <a:r>
-              <a:rPr lang="pt-BR" smtClean="0"/>
+              <a:rPr lang="pt-BR"/>
               <a:t>Clique para editar o texto mestre</a:t>
             </a:r>
           </a:p>
           <a:p>
             <a:pPr lvl="1"/>
             <a:r>
-              <a:rPr lang="pt-BR" smtClean="0"/>
+              <a:rPr lang="pt-BR"/>
               <a:t>Segundo nível</a:t>
             </a:r>
           </a:p>
           <a:p>
             <a:pPr lvl="2"/>
             <a:r>
-              <a:rPr lang="pt-BR" smtClean="0"/>
+              <a:rPr lang="pt-BR"/>
               <a:t>Terceiro nível</a:t>
             </a:r>
           </a:p>
           <a:p>
             <a:pPr lvl="3"/>
             <a:r>
-              <a:rPr lang="pt-BR" smtClean="0"/>
+              <a:rPr lang="pt-BR"/>
               <a:t>Quarto nível</a:t>
             </a:r>
           </a:p>
           <a:p>
             <a:pPr lvl="4"/>
             <a:r>
-              <a:rPr lang="pt-BR" smtClean="0"/>
+              <a:rPr lang="pt-BR"/>
               <a:t>Quinto nível</a:t>
             </a:r>
             <a:endParaRPr lang="en-US" dirty="0"/>
@@ -4359,7 +4333,7 @@
                 </a:solidFill>
               </a:rPr>
               <a:pPr/>
-              <a:t>08/08/2016</a:t>
+              <a:t>19/01/2019</a:t>
             </a:fld>
             <a:endParaRPr lang="pt-BR">
               <a:solidFill>
@@ -4420,7 +4394,7 @@
                 </a:solidFill>
               </a:rPr>
               <a:pPr/>
-              <a:t>‹nº›</a:t>
+              <a:t>‹#›</a:t>
             </a:fld>
             <a:endParaRPr lang="pt-BR">
               <a:solidFill>
@@ -4483,7 +4457,7 @@
           <a:lstStyle/>
           <a:p>
             <a:r>
-              <a:rPr lang="pt-BR" smtClean="0"/>
+              <a:rPr lang="pt-BR"/>
               <a:t>Clique para editar o título mestre</a:t>
             </a:r>
             <a:endParaRPr lang="en-US" dirty="0"/>
@@ -4549,7 +4523,7 @@
           <a:p>
             <a:pPr lvl="0"/>
             <a:r>
-              <a:rPr lang="pt-BR" smtClean="0"/>
+              <a:rPr lang="pt-BR"/>
               <a:t>Clique para editar o texto mestre</a:t>
             </a:r>
           </a:p>
@@ -4577,35 +4551,35 @@
           <a:p>
             <a:pPr lvl="0"/>
             <a:r>
-              <a:rPr lang="pt-BR" smtClean="0"/>
+              <a:rPr lang="pt-BR"/>
               <a:t>Clique para editar o texto mestre</a:t>
             </a:r>
           </a:p>
           <a:p>
             <a:pPr lvl="1"/>
             <a:r>
-              <a:rPr lang="pt-BR" smtClean="0"/>
+              <a:rPr lang="pt-BR"/>
               <a:t>Segundo nível</a:t>
             </a:r>
           </a:p>
           <a:p>
             <a:pPr lvl="2"/>
             <a:r>
-              <a:rPr lang="pt-BR" smtClean="0"/>
+              <a:rPr lang="pt-BR"/>
               <a:t>Terceiro nível</a:t>
             </a:r>
           </a:p>
           <a:p>
             <a:pPr lvl="3"/>
             <a:r>
-              <a:rPr lang="pt-BR" smtClean="0"/>
+              <a:rPr lang="pt-BR"/>
               <a:t>Quarto nível</a:t>
             </a:r>
           </a:p>
           <a:p>
             <a:pPr lvl="4"/>
             <a:r>
-              <a:rPr lang="pt-BR" smtClean="0"/>
+              <a:rPr lang="pt-BR"/>
               <a:t>Quinto nível</a:t>
             </a:r>
             <a:endParaRPr lang="en-US" dirty="0"/>
@@ -4671,7 +4645,7 @@
           <a:p>
             <a:pPr lvl="0"/>
             <a:r>
-              <a:rPr lang="pt-BR" smtClean="0"/>
+              <a:rPr lang="pt-BR"/>
               <a:t>Clique para editar o texto mestre</a:t>
             </a:r>
           </a:p>
@@ -4699,35 +4673,35 @@
           <a:p>
             <a:pPr lvl="0"/>
             <a:r>
-              <a:rPr lang="pt-BR" smtClean="0"/>
+              <a:rPr lang="pt-BR"/>
               <a:t>Clique para editar o texto mestre</a:t>
             </a:r>
           </a:p>
           <a:p>
             <a:pPr lvl="1"/>
             <a:r>
-              <a:rPr lang="pt-BR" smtClean="0"/>
+              <a:rPr lang="pt-BR"/>
               <a:t>Segundo nível</a:t>
             </a:r>
           </a:p>
           <a:p>
             <a:pPr lvl="2"/>
             <a:r>
-              <a:rPr lang="pt-BR" smtClean="0"/>
+              <a:rPr lang="pt-BR"/>
               <a:t>Terceiro nível</a:t>
             </a:r>
           </a:p>
           <a:p>
             <a:pPr lvl="3"/>
             <a:r>
-              <a:rPr lang="pt-BR" smtClean="0"/>
+              <a:rPr lang="pt-BR"/>
               <a:t>Quarto nível</a:t>
             </a:r>
           </a:p>
           <a:p>
             <a:pPr lvl="4"/>
             <a:r>
-              <a:rPr lang="pt-BR" smtClean="0"/>
+              <a:rPr lang="pt-BR"/>
               <a:t>Quinto nível</a:t>
             </a:r>
             <a:endParaRPr lang="en-US" dirty="0"/>
@@ -4758,7 +4732,7 @@
                 </a:solidFill>
               </a:rPr>
               <a:pPr/>
-              <a:t>08/08/2016</a:t>
+              <a:t>19/01/2019</a:t>
             </a:fld>
             <a:endParaRPr lang="pt-BR">
               <a:solidFill>
@@ -4819,7 +4793,7 @@
                 </a:solidFill>
               </a:rPr>
               <a:pPr/>
-              <a:t>‹nº›</a:t>
+              <a:t>‹#›</a:t>
             </a:fld>
             <a:endParaRPr lang="pt-BR">
               <a:solidFill>
@@ -4877,7 +4851,7 @@
           <a:lstStyle/>
           <a:p>
             <a:r>
-              <a:rPr lang="pt-BR" smtClean="0"/>
+              <a:rPr lang="pt-BR"/>
               <a:t>Clique para editar o título mestre</a:t>
             </a:r>
             <a:endParaRPr lang="en-US" dirty="0"/>
@@ -4908,7 +4882,7 @@
                 </a:solidFill>
               </a:rPr>
               <a:pPr/>
-              <a:t>08/08/2016</a:t>
+              <a:t>19/01/2019</a:t>
             </a:fld>
             <a:endParaRPr lang="pt-BR">
               <a:solidFill>
@@ -4969,7 +4943,7 @@
                 </a:solidFill>
               </a:rPr>
               <a:pPr/>
-              <a:t>‹nº›</a:t>
+              <a:t>‹#›</a:t>
             </a:fld>
             <a:endParaRPr lang="pt-BR">
               <a:solidFill>
@@ -5035,7 +5009,7 @@
                 </a:solidFill>
               </a:rPr>
               <a:pPr/>
-              <a:t>08/08/2016</a:t>
+              <a:t>19/01/2019</a:t>
             </a:fld>
             <a:endParaRPr lang="pt-BR">
               <a:solidFill>
@@ -5096,7 +5070,7 @@
                 </a:solidFill>
               </a:rPr>
               <a:pPr/>
-              <a:t>‹nº›</a:t>
+              <a:t>‹#›</a:t>
             </a:fld>
             <a:endParaRPr lang="pt-BR">
               <a:solidFill>
@@ -5163,10 +5137,9 @@
           </a:lstStyle>
           <a:p>
             <a:r>
-              <a:rPr lang="pt-BR" smtClean="0"/>
+              <a:rPr lang="pt-BR"/>
               <a:t>Clique para editar o título mestre</a:t>
             </a:r>
-            <a:endParaRPr lang="pt-BR"/>
           </a:p>
         </p:txBody>
       </p:sp>
@@ -5283,7 +5256,7 @@
           <a:p>
             <a:pPr lvl="0"/>
             <a:r>
-              <a:rPr lang="pt-BR" smtClean="0"/>
+              <a:rPr lang="pt-BR"/>
               <a:t>Clique para editar o texto mestre</a:t>
             </a:r>
           </a:p>
@@ -5306,7 +5279,7 @@
           <a:p>
             <a:fld id="{EBA99857-7A21-41BE-8414-72E7464E5CB2}" type="datetimeFigureOut">
               <a:rPr lang="pt-BR" smtClean="0"/>
-              <a:t>08/08/2016</a:t>
+              <a:t>19/01/2019</a:t>
             </a:fld>
             <a:endParaRPr lang="pt-BR"/>
           </a:p>
@@ -5348,7 +5321,7 @@
           <a:p>
             <a:fld id="{476942CE-507D-4A48-BD43-E18C229865A6}" type="slidenum">
               <a:rPr lang="pt-BR" smtClean="0"/>
-              <a:t>‹nº›</a:t>
+              <a:t>‹#›</a:t>
             </a:fld>
             <a:endParaRPr lang="pt-BR"/>
           </a:p>
@@ -5409,7 +5382,7 @@
           </a:lstStyle>
           <a:p>
             <a:r>
-              <a:rPr lang="pt-BR" smtClean="0"/>
+              <a:rPr lang="pt-BR"/>
               <a:t>Clique para editar o título mestre</a:t>
             </a:r>
             <a:endParaRPr lang="en-US" dirty="0"/>
@@ -5466,35 +5439,35 @@
           <a:p>
             <a:pPr lvl="0"/>
             <a:r>
-              <a:rPr lang="pt-BR" smtClean="0"/>
+              <a:rPr lang="pt-BR"/>
               <a:t>Clique para editar o texto mestre</a:t>
             </a:r>
           </a:p>
           <a:p>
             <a:pPr lvl="1"/>
             <a:r>
-              <a:rPr lang="pt-BR" smtClean="0"/>
+              <a:rPr lang="pt-BR"/>
               <a:t>Segundo nível</a:t>
             </a:r>
           </a:p>
           <a:p>
             <a:pPr lvl="2"/>
             <a:r>
-              <a:rPr lang="pt-BR" smtClean="0"/>
+              <a:rPr lang="pt-BR"/>
               <a:t>Terceiro nível</a:t>
             </a:r>
           </a:p>
           <a:p>
             <a:pPr lvl="3"/>
             <a:r>
-              <a:rPr lang="pt-BR" smtClean="0"/>
+              <a:rPr lang="pt-BR"/>
               <a:t>Quarto nível</a:t>
             </a:r>
           </a:p>
           <a:p>
             <a:pPr lvl="4"/>
             <a:r>
-              <a:rPr lang="pt-BR" smtClean="0"/>
+              <a:rPr lang="pt-BR"/>
               <a:t>Quinto nível</a:t>
             </a:r>
             <a:endParaRPr lang="en-US" dirty="0"/>
@@ -5560,7 +5533,7 @@
           <a:p>
             <a:pPr lvl="0"/>
             <a:r>
-              <a:rPr lang="pt-BR" smtClean="0"/>
+              <a:rPr lang="pt-BR"/>
               <a:t>Clique para editar o texto mestre</a:t>
             </a:r>
           </a:p>
@@ -5590,7 +5563,7 @@
                 </a:solidFill>
               </a:rPr>
               <a:pPr/>
-              <a:t>08/08/2016</a:t>
+              <a:t>19/01/2019</a:t>
             </a:fld>
             <a:endParaRPr lang="pt-BR">
               <a:solidFill>
@@ -5651,7 +5624,7 @@
                 </a:solidFill>
               </a:rPr>
               <a:pPr/>
-              <a:t>‹nº›</a:t>
+              <a:t>‹#›</a:t>
             </a:fld>
             <a:endParaRPr lang="pt-BR">
               <a:solidFill>
@@ -5718,7 +5691,7 @@
           </a:lstStyle>
           <a:p>
             <a:r>
-              <a:rPr lang="pt-BR" smtClean="0"/>
+              <a:rPr lang="pt-BR"/>
               <a:t>Clique para editar o título mestre</a:t>
             </a:r>
             <a:endParaRPr lang="en-US" dirty="0"/>
@@ -5783,7 +5756,7 @@
           </a:lstStyle>
           <a:p>
             <a:r>
-              <a:rPr lang="pt-BR" smtClean="0"/>
+              <a:rPr lang="pt-BR"/>
               <a:t>Clique no ícone para adicionar uma imagem</a:t>
             </a:r>
             <a:endParaRPr lang="en-US" dirty="0"/>
@@ -5849,7 +5822,7 @@
           <a:p>
             <a:pPr lvl="0"/>
             <a:r>
-              <a:rPr lang="pt-BR" smtClean="0"/>
+              <a:rPr lang="pt-BR"/>
               <a:t>Clique para editar o texto mestre</a:t>
             </a:r>
           </a:p>
@@ -5879,7 +5852,7 @@
                 </a:solidFill>
               </a:rPr>
               <a:pPr/>
-              <a:t>08/08/2016</a:t>
+              <a:t>19/01/2019</a:t>
             </a:fld>
             <a:endParaRPr lang="pt-BR">
               <a:solidFill>
@@ -5940,7 +5913,7 @@
                 </a:solidFill>
               </a:rPr>
               <a:pPr/>
-              <a:t>‹nº›</a:t>
+              <a:t>‹#›</a:t>
             </a:fld>
             <a:endParaRPr lang="pt-BR">
               <a:solidFill>
@@ -5998,7 +5971,7 @@
           <a:lstStyle/>
           <a:p>
             <a:r>
-              <a:rPr lang="pt-BR" smtClean="0"/>
+              <a:rPr lang="pt-BR"/>
               <a:t>Clique para editar o título mestre</a:t>
             </a:r>
             <a:endParaRPr lang="en-US" dirty="0"/>
@@ -6022,35 +5995,35 @@
           <a:p>
             <a:pPr lvl="0"/>
             <a:r>
-              <a:rPr lang="pt-BR" smtClean="0"/>
+              <a:rPr lang="pt-BR"/>
               <a:t>Clique para editar o texto mestre</a:t>
             </a:r>
           </a:p>
           <a:p>
             <a:pPr lvl="1"/>
             <a:r>
-              <a:rPr lang="pt-BR" smtClean="0"/>
+              <a:rPr lang="pt-BR"/>
               <a:t>Segundo nível</a:t>
             </a:r>
           </a:p>
           <a:p>
             <a:pPr lvl="2"/>
             <a:r>
-              <a:rPr lang="pt-BR" smtClean="0"/>
+              <a:rPr lang="pt-BR"/>
               <a:t>Terceiro nível</a:t>
             </a:r>
           </a:p>
           <a:p>
             <a:pPr lvl="3"/>
             <a:r>
-              <a:rPr lang="pt-BR" smtClean="0"/>
+              <a:rPr lang="pt-BR"/>
               <a:t>Quarto nível</a:t>
             </a:r>
           </a:p>
           <a:p>
             <a:pPr lvl="4"/>
             <a:r>
-              <a:rPr lang="pt-BR" smtClean="0"/>
+              <a:rPr lang="pt-BR"/>
               <a:t>Quinto nível</a:t>
             </a:r>
             <a:endParaRPr lang="en-US" dirty="0"/>
@@ -6081,7 +6054,7 @@
                 </a:solidFill>
               </a:rPr>
               <a:pPr/>
-              <a:t>08/08/2016</a:t>
+              <a:t>19/01/2019</a:t>
             </a:fld>
             <a:endParaRPr lang="pt-BR">
               <a:solidFill>
@@ -6142,7 +6115,7 @@
                 </a:solidFill>
               </a:rPr>
               <a:pPr/>
-              <a:t>‹nº›</a:t>
+              <a:t>‹#›</a:t>
             </a:fld>
             <a:endParaRPr lang="pt-BR">
               <a:solidFill>
@@ -6205,7 +6178,7 @@
           <a:lstStyle/>
           <a:p>
             <a:r>
-              <a:rPr lang="pt-BR" smtClean="0"/>
+              <a:rPr lang="pt-BR"/>
               <a:t>Clique para editar o título mestre</a:t>
             </a:r>
             <a:endParaRPr lang="en-US" dirty="0"/>
@@ -6234,35 +6207,35 @@
           <a:p>
             <a:pPr lvl="0"/>
             <a:r>
-              <a:rPr lang="pt-BR" smtClean="0"/>
+              <a:rPr lang="pt-BR"/>
               <a:t>Clique para editar o texto mestre</a:t>
             </a:r>
           </a:p>
           <a:p>
             <a:pPr lvl="1"/>
             <a:r>
-              <a:rPr lang="pt-BR" smtClean="0"/>
+              <a:rPr lang="pt-BR"/>
               <a:t>Segundo nível</a:t>
             </a:r>
           </a:p>
           <a:p>
             <a:pPr lvl="2"/>
             <a:r>
-              <a:rPr lang="pt-BR" smtClean="0"/>
+              <a:rPr lang="pt-BR"/>
               <a:t>Terceiro nível</a:t>
             </a:r>
           </a:p>
           <a:p>
             <a:pPr lvl="3"/>
             <a:r>
-              <a:rPr lang="pt-BR" smtClean="0"/>
+              <a:rPr lang="pt-BR"/>
               <a:t>Quarto nível</a:t>
             </a:r>
           </a:p>
           <a:p>
             <a:pPr lvl="4"/>
             <a:r>
-              <a:rPr lang="pt-BR" smtClean="0"/>
+              <a:rPr lang="pt-BR"/>
               <a:t>Quinto nível</a:t>
             </a:r>
             <a:endParaRPr lang="en-US" dirty="0"/>
@@ -6293,7 +6266,7 @@
                 </a:solidFill>
               </a:rPr>
               <a:pPr/>
-              <a:t>08/08/2016</a:t>
+              <a:t>19/01/2019</a:t>
             </a:fld>
             <a:endParaRPr lang="pt-BR">
               <a:solidFill>
@@ -6354,7 +6327,7 @@
                 </a:solidFill>
               </a:rPr>
               <a:pPr/>
-              <a:t>‹nº›</a:t>
+              <a:t>‹#›</a:t>
             </a:fld>
             <a:endParaRPr lang="pt-BR">
               <a:solidFill>
@@ -6412,10 +6385,9 @@
           <a:lstStyle/>
           <a:p>
             <a:r>
-              <a:rPr lang="pt-BR" smtClean="0"/>
+              <a:rPr lang="pt-BR"/>
               <a:t>Clique para editar o título mestre</a:t>
             </a:r>
-            <a:endParaRPr lang="pt-BR"/>
           </a:p>
         </p:txBody>
       </p:sp>
@@ -6441,38 +6413,37 @@
           <a:p>
             <a:pPr lvl="0"/>
             <a:r>
-              <a:rPr lang="pt-BR" smtClean="0"/>
+              <a:rPr lang="pt-BR"/>
               <a:t>Clique para editar o texto mestre</a:t>
             </a:r>
           </a:p>
           <a:p>
             <a:pPr lvl="1"/>
             <a:r>
-              <a:rPr lang="pt-BR" smtClean="0"/>
+              <a:rPr lang="pt-BR"/>
               <a:t>Segundo nível</a:t>
             </a:r>
           </a:p>
           <a:p>
             <a:pPr lvl="2"/>
             <a:r>
-              <a:rPr lang="pt-BR" smtClean="0"/>
+              <a:rPr lang="pt-BR"/>
               <a:t>Terceiro nível</a:t>
             </a:r>
           </a:p>
           <a:p>
             <a:pPr lvl="3"/>
             <a:r>
-              <a:rPr lang="pt-BR" smtClean="0"/>
+              <a:rPr lang="pt-BR"/>
               <a:t>Quarto nível</a:t>
             </a:r>
           </a:p>
           <a:p>
             <a:pPr lvl="4"/>
             <a:r>
-              <a:rPr lang="pt-BR" smtClean="0"/>
+              <a:rPr lang="pt-BR"/>
               <a:t>Quinto nível</a:t>
             </a:r>
-            <a:endParaRPr lang="pt-BR"/>
           </a:p>
         </p:txBody>
       </p:sp>
@@ -6498,38 +6469,37 @@
           <a:p>
             <a:pPr lvl="0"/>
             <a:r>
-              <a:rPr lang="pt-BR" smtClean="0"/>
+              <a:rPr lang="pt-BR"/>
               <a:t>Clique para editar o texto mestre</a:t>
             </a:r>
           </a:p>
           <a:p>
             <a:pPr lvl="1"/>
             <a:r>
-              <a:rPr lang="pt-BR" smtClean="0"/>
+              <a:rPr lang="pt-BR"/>
               <a:t>Segundo nível</a:t>
             </a:r>
           </a:p>
           <a:p>
             <a:pPr lvl="2"/>
             <a:r>
-              <a:rPr lang="pt-BR" smtClean="0"/>
+              <a:rPr lang="pt-BR"/>
               <a:t>Terceiro nível</a:t>
             </a:r>
           </a:p>
           <a:p>
             <a:pPr lvl="3"/>
             <a:r>
-              <a:rPr lang="pt-BR" smtClean="0"/>
+              <a:rPr lang="pt-BR"/>
               <a:t>Quarto nível</a:t>
             </a:r>
           </a:p>
           <a:p>
             <a:pPr lvl="4"/>
             <a:r>
-              <a:rPr lang="pt-BR" smtClean="0"/>
+              <a:rPr lang="pt-BR"/>
               <a:t>Quinto nível</a:t>
             </a:r>
-            <a:endParaRPr lang="pt-BR"/>
           </a:p>
         </p:txBody>
       </p:sp>
@@ -6550,7 +6520,7 @@
           <a:p>
             <a:fld id="{EBA99857-7A21-41BE-8414-72E7464E5CB2}" type="datetimeFigureOut">
               <a:rPr lang="pt-BR" smtClean="0"/>
-              <a:t>08/08/2016</a:t>
+              <a:t>19/01/2019</a:t>
             </a:fld>
             <a:endParaRPr lang="pt-BR"/>
           </a:p>
@@ -6592,7 +6562,7 @@
           <a:p>
             <a:fld id="{476942CE-507D-4A48-BD43-E18C229865A6}" type="slidenum">
               <a:rPr lang="pt-BR" smtClean="0"/>
-              <a:t>‹nº›</a:t>
+              <a:t>‹#›</a:t>
             </a:fld>
             <a:endParaRPr lang="pt-BR"/>
           </a:p>
@@ -6649,10 +6619,9 @@
           <a:lstStyle/>
           <a:p>
             <a:r>
-              <a:rPr lang="pt-BR" smtClean="0"/>
+              <a:rPr lang="pt-BR"/>
               <a:t>Clique para editar o título mestre</a:t>
             </a:r>
-            <a:endParaRPr lang="pt-BR"/>
           </a:p>
         </p:txBody>
       </p:sp>
@@ -6715,7 +6684,7 @@
           <a:p>
             <a:pPr lvl="0"/>
             <a:r>
-              <a:rPr lang="pt-BR" smtClean="0"/>
+              <a:rPr lang="pt-BR"/>
               <a:t>Clique para editar o texto mestre</a:t>
             </a:r>
           </a:p>
@@ -6743,38 +6712,37 @@
           <a:p>
             <a:pPr lvl="0"/>
             <a:r>
-              <a:rPr lang="pt-BR" smtClean="0"/>
+              <a:rPr lang="pt-BR"/>
               <a:t>Clique para editar o texto mestre</a:t>
             </a:r>
           </a:p>
           <a:p>
             <a:pPr lvl="1"/>
             <a:r>
-              <a:rPr lang="pt-BR" smtClean="0"/>
+              <a:rPr lang="pt-BR"/>
               <a:t>Segundo nível</a:t>
             </a:r>
           </a:p>
           <a:p>
             <a:pPr lvl="2"/>
             <a:r>
-              <a:rPr lang="pt-BR" smtClean="0"/>
+              <a:rPr lang="pt-BR"/>
               <a:t>Terceiro nível</a:t>
             </a:r>
           </a:p>
           <a:p>
             <a:pPr lvl="3"/>
             <a:r>
-              <a:rPr lang="pt-BR" smtClean="0"/>
+              <a:rPr lang="pt-BR"/>
               <a:t>Quarto nível</a:t>
             </a:r>
           </a:p>
           <a:p>
             <a:pPr lvl="4"/>
             <a:r>
-              <a:rPr lang="pt-BR" smtClean="0"/>
+              <a:rPr lang="pt-BR"/>
               <a:t>Quinto nível</a:t>
             </a:r>
-            <a:endParaRPr lang="pt-BR"/>
           </a:p>
         </p:txBody>
       </p:sp>
@@ -6837,7 +6805,7 @@
           <a:p>
             <a:pPr lvl="0"/>
             <a:r>
-              <a:rPr lang="pt-BR" smtClean="0"/>
+              <a:rPr lang="pt-BR"/>
               <a:t>Clique para editar o texto mestre</a:t>
             </a:r>
           </a:p>
@@ -6865,38 +6833,37 @@
           <a:p>
             <a:pPr lvl="0"/>
             <a:r>
-              <a:rPr lang="pt-BR" smtClean="0"/>
+              <a:rPr lang="pt-BR"/>
               <a:t>Clique para editar o texto mestre</a:t>
             </a:r>
           </a:p>
           <a:p>
             <a:pPr lvl="1"/>
             <a:r>
-              <a:rPr lang="pt-BR" smtClean="0"/>
+              <a:rPr lang="pt-BR"/>
               <a:t>Segundo nível</a:t>
             </a:r>
           </a:p>
           <a:p>
             <a:pPr lvl="2"/>
             <a:r>
-              <a:rPr lang="pt-BR" smtClean="0"/>
+              <a:rPr lang="pt-BR"/>
               <a:t>Terceiro nível</a:t>
             </a:r>
           </a:p>
           <a:p>
             <a:pPr lvl="3"/>
             <a:r>
-              <a:rPr lang="pt-BR" smtClean="0"/>
+              <a:rPr lang="pt-BR"/>
               <a:t>Quarto nível</a:t>
             </a:r>
           </a:p>
           <a:p>
             <a:pPr lvl="4"/>
             <a:r>
-              <a:rPr lang="pt-BR" smtClean="0"/>
+              <a:rPr lang="pt-BR"/>
               <a:t>Quinto nível</a:t>
             </a:r>
-            <a:endParaRPr lang="pt-BR"/>
           </a:p>
         </p:txBody>
       </p:sp>
@@ -6917,7 +6884,7 @@
           <a:p>
             <a:fld id="{EBA99857-7A21-41BE-8414-72E7464E5CB2}" type="datetimeFigureOut">
               <a:rPr lang="pt-BR" smtClean="0"/>
-              <a:t>08/08/2016</a:t>
+              <a:t>19/01/2019</a:t>
             </a:fld>
             <a:endParaRPr lang="pt-BR"/>
           </a:p>
@@ -6959,7 +6926,7 @@
           <a:p>
             <a:fld id="{476942CE-507D-4A48-BD43-E18C229865A6}" type="slidenum">
               <a:rPr lang="pt-BR" smtClean="0"/>
-              <a:t>‹nº›</a:t>
+              <a:t>‹#›</a:t>
             </a:fld>
             <a:endParaRPr lang="pt-BR"/>
           </a:p>
@@ -7011,10 +6978,9 @@
           <a:lstStyle/>
           <a:p>
             <a:r>
-              <a:rPr lang="pt-BR" smtClean="0"/>
+              <a:rPr lang="pt-BR"/>
               <a:t>Clique para editar o título mestre</a:t>
             </a:r>
-            <a:endParaRPr lang="pt-BR"/>
           </a:p>
         </p:txBody>
       </p:sp>
@@ -7035,7 +7001,7 @@
           <a:p>
             <a:fld id="{EBA99857-7A21-41BE-8414-72E7464E5CB2}" type="datetimeFigureOut">
               <a:rPr lang="pt-BR" smtClean="0"/>
-              <a:t>08/08/2016</a:t>
+              <a:t>19/01/2019</a:t>
             </a:fld>
             <a:endParaRPr lang="pt-BR"/>
           </a:p>
@@ -7077,7 +7043,7 @@
           <a:p>
             <a:fld id="{476942CE-507D-4A48-BD43-E18C229865A6}" type="slidenum">
               <a:rPr lang="pt-BR" smtClean="0"/>
-              <a:t>‹nº›</a:t>
+              <a:t>‹#›</a:t>
             </a:fld>
             <a:endParaRPr lang="pt-BR"/>
           </a:p>
@@ -7130,7 +7096,7 @@
           <a:p>
             <a:fld id="{EBA99857-7A21-41BE-8414-72E7464E5CB2}" type="datetimeFigureOut">
               <a:rPr lang="pt-BR" smtClean="0"/>
-              <a:t>08/08/2016</a:t>
+              <a:t>19/01/2019</a:t>
             </a:fld>
             <a:endParaRPr lang="pt-BR"/>
           </a:p>
@@ -7172,7 +7138,7 @@
           <a:p>
             <a:fld id="{476942CE-507D-4A48-BD43-E18C229865A6}" type="slidenum">
               <a:rPr lang="pt-BR" smtClean="0"/>
-              <a:t>‹nº›</a:t>
+              <a:t>‹#›</a:t>
             </a:fld>
             <a:endParaRPr lang="pt-BR"/>
           </a:p>
@@ -7233,10 +7199,9 @@
           </a:lstStyle>
           <a:p>
             <a:r>
-              <a:rPr lang="pt-BR" smtClean="0"/>
+              <a:rPr lang="pt-BR"/>
               <a:t>Clique para editar o título mestre</a:t>
             </a:r>
-            <a:endParaRPr lang="pt-BR"/>
           </a:p>
         </p:txBody>
       </p:sp>
@@ -7290,38 +7255,37 @@
           <a:p>
             <a:pPr lvl="0"/>
             <a:r>
-              <a:rPr lang="pt-BR" smtClean="0"/>
+              <a:rPr lang="pt-BR"/>
               <a:t>Clique para editar o texto mestre</a:t>
             </a:r>
           </a:p>
           <a:p>
             <a:pPr lvl="1"/>
             <a:r>
-              <a:rPr lang="pt-BR" smtClean="0"/>
+              <a:rPr lang="pt-BR"/>
               <a:t>Segundo nível</a:t>
             </a:r>
           </a:p>
           <a:p>
             <a:pPr lvl="2"/>
             <a:r>
-              <a:rPr lang="pt-BR" smtClean="0"/>
+              <a:rPr lang="pt-BR"/>
               <a:t>Terceiro nível</a:t>
             </a:r>
           </a:p>
           <a:p>
             <a:pPr lvl="3"/>
             <a:r>
-              <a:rPr lang="pt-BR" smtClean="0"/>
+              <a:rPr lang="pt-BR"/>
               <a:t>Quarto nível</a:t>
             </a:r>
           </a:p>
           <a:p>
             <a:pPr lvl="4"/>
             <a:r>
-              <a:rPr lang="pt-BR" smtClean="0"/>
+              <a:rPr lang="pt-BR"/>
               <a:t>Quinto nível</a:t>
             </a:r>
-            <a:endParaRPr lang="pt-BR"/>
           </a:p>
         </p:txBody>
       </p:sp>
@@ -7384,7 +7348,7 @@
           <a:p>
             <a:pPr lvl="0"/>
             <a:r>
-              <a:rPr lang="pt-BR" smtClean="0"/>
+              <a:rPr lang="pt-BR"/>
               <a:t>Clique para editar o texto mestre</a:t>
             </a:r>
           </a:p>
@@ -7407,7 +7371,7 @@
           <a:p>
             <a:fld id="{EBA99857-7A21-41BE-8414-72E7464E5CB2}" type="datetimeFigureOut">
               <a:rPr lang="pt-BR" smtClean="0"/>
-              <a:t>08/08/2016</a:t>
+              <a:t>19/01/2019</a:t>
             </a:fld>
             <a:endParaRPr lang="pt-BR"/>
           </a:p>
@@ -7449,7 +7413,7 @@
           <a:p>
             <a:fld id="{476942CE-507D-4A48-BD43-E18C229865A6}" type="slidenum">
               <a:rPr lang="pt-BR" smtClean="0"/>
-              <a:t>‹nº›</a:t>
+              <a:t>‹#›</a:t>
             </a:fld>
             <a:endParaRPr lang="pt-BR"/>
           </a:p>
@@ -7510,10 +7474,9 @@
           </a:lstStyle>
           <a:p>
             <a:r>
-              <a:rPr lang="pt-BR" smtClean="0"/>
+              <a:rPr lang="pt-BR"/>
               <a:t>Clique para editar o título mestre</a:t>
             </a:r>
-            <a:endParaRPr lang="pt-BR"/>
           </a:p>
         </p:txBody>
       </p:sp>
@@ -7637,7 +7600,7 @@
           <a:p>
             <a:pPr lvl="0"/>
             <a:r>
-              <a:rPr lang="pt-BR" smtClean="0"/>
+              <a:rPr lang="pt-BR"/>
               <a:t>Clique para editar o texto mestre</a:t>
             </a:r>
           </a:p>
@@ -7660,7 +7623,7 @@
           <a:p>
             <a:fld id="{EBA99857-7A21-41BE-8414-72E7464E5CB2}" type="datetimeFigureOut">
               <a:rPr lang="pt-BR" smtClean="0"/>
-              <a:t>08/08/2016</a:t>
+              <a:t>19/01/2019</a:t>
             </a:fld>
             <a:endParaRPr lang="pt-BR"/>
           </a:p>
@@ -7702,7 +7665,7 @@
           <a:p>
             <a:fld id="{476942CE-507D-4A48-BD43-E18C229865A6}" type="slidenum">
               <a:rPr lang="pt-BR" smtClean="0"/>
-              <a:t>‹nº›</a:t>
+              <a:t>‹#›</a:t>
             </a:fld>
             <a:endParaRPr lang="pt-BR"/>
           </a:p>
@@ -7769,10 +7732,9 @@
           <a:lstStyle/>
           <a:p>
             <a:r>
-              <a:rPr lang="pt-BR" smtClean="0"/>
+              <a:rPr lang="pt-BR"/>
               <a:t>Clique para editar o título mestre</a:t>
             </a:r>
-            <a:endParaRPr lang="pt-BR"/>
           </a:p>
         </p:txBody>
       </p:sp>
@@ -7803,38 +7765,37 @@
           <a:p>
             <a:pPr lvl="0"/>
             <a:r>
-              <a:rPr lang="pt-BR" smtClean="0"/>
+              <a:rPr lang="pt-BR"/>
               <a:t>Clique para editar o texto mestre</a:t>
             </a:r>
           </a:p>
           <a:p>
             <a:pPr lvl="1"/>
             <a:r>
-              <a:rPr lang="pt-BR" smtClean="0"/>
+              <a:rPr lang="pt-BR"/>
               <a:t>Segundo nível</a:t>
             </a:r>
           </a:p>
           <a:p>
             <a:pPr lvl="2"/>
             <a:r>
-              <a:rPr lang="pt-BR" smtClean="0"/>
+              <a:rPr lang="pt-BR"/>
               <a:t>Terceiro nível</a:t>
             </a:r>
           </a:p>
           <a:p>
             <a:pPr lvl="3"/>
             <a:r>
-              <a:rPr lang="pt-BR" smtClean="0"/>
+              <a:rPr lang="pt-BR"/>
               <a:t>Quarto nível</a:t>
             </a:r>
           </a:p>
           <a:p>
             <a:pPr lvl="4"/>
             <a:r>
-              <a:rPr lang="pt-BR" smtClean="0"/>
+              <a:rPr lang="pt-BR"/>
               <a:t>Quinto nível</a:t>
             </a:r>
-            <a:endParaRPr lang="pt-BR"/>
           </a:p>
         </p:txBody>
       </p:sp>
@@ -7873,7 +7834,7 @@
           <a:p>
             <a:fld id="{EBA99857-7A21-41BE-8414-72E7464E5CB2}" type="datetimeFigureOut">
               <a:rPr lang="pt-BR" smtClean="0"/>
-              <a:t>08/08/2016</a:t>
+              <a:t>19/01/2019</a:t>
             </a:fld>
             <a:endParaRPr lang="pt-BR"/>
           </a:p>
@@ -7951,7 +7912,7 @@
           <a:p>
             <a:fld id="{476942CE-507D-4A48-BD43-E18C229865A6}" type="slidenum">
               <a:rPr lang="pt-BR" smtClean="0"/>
-              <a:t>‹nº›</a:t>
+              <a:t>‹#›</a:t>
             </a:fld>
             <a:endParaRPr lang="pt-BR"/>
           </a:p>
@@ -8309,10 +8270,9 @@
           <a:lstStyle/>
           <a:p>
             <a:r>
-              <a:rPr lang="pt-BR" smtClean="0"/>
+              <a:rPr lang="pt-BR"/>
               <a:t>Clique para editar o título mestre</a:t>
             </a:r>
-            <a:endParaRPr lang="pt-BR"/>
           </a:p>
         </p:txBody>
       </p:sp>
@@ -8343,38 +8303,37 @@
           <a:p>
             <a:pPr lvl="0"/>
             <a:r>
-              <a:rPr lang="pt-BR" smtClean="0"/>
+              <a:rPr lang="pt-BR"/>
               <a:t>Clique para editar o texto mestre</a:t>
             </a:r>
           </a:p>
           <a:p>
             <a:pPr lvl="1"/>
             <a:r>
-              <a:rPr lang="pt-BR" smtClean="0"/>
+              <a:rPr lang="pt-BR"/>
               <a:t>Segundo nível</a:t>
             </a:r>
           </a:p>
           <a:p>
             <a:pPr lvl="2"/>
             <a:r>
-              <a:rPr lang="pt-BR" smtClean="0"/>
+              <a:rPr lang="pt-BR"/>
               <a:t>Terceiro nível</a:t>
             </a:r>
           </a:p>
           <a:p>
             <a:pPr lvl="3"/>
             <a:r>
-              <a:rPr lang="pt-BR" smtClean="0"/>
+              <a:rPr lang="pt-BR"/>
               <a:t>Quarto nível</a:t>
             </a:r>
           </a:p>
           <a:p>
             <a:pPr lvl="4"/>
             <a:r>
-              <a:rPr lang="pt-BR" smtClean="0"/>
+              <a:rPr lang="pt-BR"/>
               <a:t>Quinto nível</a:t>
             </a:r>
-            <a:endParaRPr lang="pt-BR"/>
           </a:p>
         </p:txBody>
       </p:sp>
@@ -8420,9 +8379,9 @@
                 </a:solidFill>
               </a:rPr>
               <a:pPr/>
-              <a:t>08/08/2016</a:t>
+              <a:t>19/01/2019</a:t>
             </a:fld>
-            <a:endParaRPr lang="pt-BR" smtClean="0">
+            <a:endParaRPr lang="pt-BR">
               <a:solidFill>
                 <a:prstClr val="black">
                   <a:tint val="75000"/>
@@ -8465,7 +8424,7 @@
             </a:lvl1pPr>
           </a:lstStyle>
           <a:p>
-            <a:endParaRPr lang="pt-BR" smtClean="0">
+            <a:endParaRPr lang="pt-BR">
               <a:solidFill>
                 <a:prstClr val="black">
                   <a:tint val="75000"/>
@@ -8517,9 +8476,9 @@
                 </a:solidFill>
               </a:rPr>
               <a:pPr/>
-              <a:t>‹nº›</a:t>
+              <a:t>‹#›</a:t>
             </a:fld>
-            <a:endParaRPr lang="pt-BR" smtClean="0">
+            <a:endParaRPr lang="pt-BR">
               <a:solidFill>
                 <a:prstClr val="black">
                   <a:tint val="75000"/>
@@ -8881,7 +8840,7 @@
           <a:lstStyle/>
           <a:p>
             <a:r>
-              <a:rPr lang="pt-BR" smtClean="0"/>
+              <a:rPr lang="pt-BR"/>
               <a:t>Clique para editar o título mestre</a:t>
             </a:r>
             <a:endParaRPr lang="en-US" dirty="0"/>
@@ -8915,35 +8874,35 @@
           <a:p>
             <a:pPr lvl="0"/>
             <a:r>
-              <a:rPr lang="pt-BR" smtClean="0"/>
+              <a:rPr lang="pt-BR"/>
               <a:t>Clique para editar o texto mestre</a:t>
             </a:r>
           </a:p>
           <a:p>
             <a:pPr lvl="1"/>
             <a:r>
-              <a:rPr lang="pt-BR" smtClean="0"/>
+              <a:rPr lang="pt-BR"/>
               <a:t>Segundo nível</a:t>
             </a:r>
           </a:p>
           <a:p>
             <a:pPr lvl="2"/>
             <a:r>
-              <a:rPr lang="pt-BR" smtClean="0"/>
+              <a:rPr lang="pt-BR"/>
               <a:t>Terceiro nível</a:t>
             </a:r>
           </a:p>
           <a:p>
             <a:pPr lvl="3"/>
             <a:r>
-              <a:rPr lang="pt-BR" smtClean="0"/>
+              <a:rPr lang="pt-BR"/>
               <a:t>Quarto nível</a:t>
             </a:r>
           </a:p>
           <a:p>
             <a:pPr lvl="4"/>
             <a:r>
-              <a:rPr lang="pt-BR" smtClean="0"/>
+              <a:rPr lang="pt-BR"/>
               <a:t>Quinto nível</a:t>
             </a:r>
             <a:endParaRPr lang="en-US" dirty="0"/>
@@ -8992,7 +8951,7 @@
                 </a:solidFill>
               </a:rPr>
               <a:pPr/>
-              <a:t>08/08/2016</a:t>
+              <a:t>19/01/2019</a:t>
             </a:fld>
             <a:endParaRPr lang="pt-BR">
               <a:solidFill>
@@ -9089,7 +9048,7 @@
                 </a:solidFill>
               </a:rPr>
               <a:pPr/>
-              <a:t>‹nº›</a:t>
+              <a:t>‹#›</a:t>
             </a:fld>
             <a:endParaRPr lang="pt-BR">
               <a:solidFill>
@@ -9422,6 +9381,283 @@
           <a:chExt cx="0" cy="0"/>
         </a:xfrm>
       </p:grpSpPr>
+      <p:pic>
+        <p:nvPicPr>
+          <p:cNvPr id="4" name="Imagem 4">
+            <a:extLst>
+              <a:ext uri="{FF2B5EF4-FFF2-40B4-BE49-F238E27FC236}">
+                <a16:creationId xmlns:a16="http://schemas.microsoft.com/office/drawing/2014/main" id="{37E8D2CB-F247-4994-A64F-93612E2C2477}"/>
+              </a:ext>
+            </a:extLst>
+          </p:cNvPr>
+          <p:cNvPicPr>
+            <a:picLocks noChangeAspect="1"/>
+          </p:cNvPicPr>
+          <p:nvPr/>
+        </p:nvPicPr>
+        <p:blipFill>
+          <a:blip r:embed="rId2"/>
+          <a:stretch>
+            <a:fillRect/>
+          </a:stretch>
+        </p:blipFill>
+        <p:spPr>
+          <a:xfrm>
+            <a:off x="4529137" y="1123950"/>
+            <a:ext cx="3133725" cy="4610100"/>
+          </a:xfrm>
+          <a:prstGeom prst="rect">
+            <a:avLst/>
+          </a:prstGeom>
+        </p:spPr>
+      </p:pic>
+      <p:sp>
+        <p:nvSpPr>
+          <p:cNvPr id="5" name="Retângulo 6">
+            <a:extLst>
+              <a:ext uri="{FF2B5EF4-FFF2-40B4-BE49-F238E27FC236}">
+                <a16:creationId xmlns:a16="http://schemas.microsoft.com/office/drawing/2014/main" id="{CB3BC61A-F974-42FD-ABA2-D04D188C9BC8}"/>
+              </a:ext>
+            </a:extLst>
+          </p:cNvPr>
+          <p:cNvSpPr/>
+          <p:nvPr/>
+        </p:nvSpPr>
+        <p:spPr>
+          <a:xfrm>
+            <a:off x="1831504" y="1885769"/>
+            <a:ext cx="885178" cy="307777"/>
+          </a:xfrm>
+          <a:prstGeom prst="rect">
+            <a:avLst/>
+          </a:prstGeom>
+          <a:noFill/>
+        </p:spPr>
+        <p:txBody>
+          <a:bodyPr wrap="none" lIns="91440" tIns="45720" rIns="91440" bIns="45720">
+            <a:spAutoFit/>
+          </a:bodyPr>
+          <a:lstStyle/>
+          <a:p>
+            <a:pPr marL="0" marR="0" lvl="0" indent="0" algn="ctr" defTabSz="914400" rtl="0" eaLnBrk="1" fontAlgn="auto" latinLnBrk="0" hangingPunct="1">
+              <a:lnSpc>
+                <a:spcPct val="100000"/>
+              </a:lnSpc>
+              <a:spcBef>
+                <a:spcPts val="0"/>
+              </a:spcBef>
+              <a:spcAft>
+                <a:spcPts val="0"/>
+              </a:spcAft>
+              <a:buClrTx/>
+              <a:buSzTx/>
+              <a:buFontTx/>
+              <a:buNone/>
+              <a:tabLst/>
+              <a:defRPr/>
+            </a:pPr>
+            <a:r>
+              <a:rPr kumimoji="0" lang="pt-BR" sz="1400" b="1" i="0" u="none" strike="noStrike" kern="1200" cap="none" spc="0" normalizeH="0" baseline="0" noProof="0" dirty="0">
+                <a:ln w="10160">
+                  <a:solidFill>
+                    <a:srgbClr val="333333"/>
+                  </a:solidFill>
+                  <a:prstDash val="solid"/>
+                </a:ln>
+                <a:solidFill>
+                  <a:srgbClr val="FFFFFF"/>
+                </a:solidFill>
+                <a:effectLst>
+                  <a:outerShdw blurRad="38100" dist="22860" dir="5400000" algn="tl" rotWithShape="0">
+                    <a:srgbClr val="000000">
+                      <a:alpha val="30000"/>
+                    </a:srgbClr>
+                  </a:outerShdw>
+                </a:effectLst>
+                <a:uLnTx/>
+                <a:uFillTx/>
+                <a:latin typeface="Calibri" panose="020F0502020204030204"/>
+                <a:ea typeface="+mn-ea"/>
+                <a:cs typeface="+mn-cs"/>
+              </a:rPr>
+              <a:t>peepCam</a:t>
+            </a:r>
+          </a:p>
+        </p:txBody>
+      </p:sp>
+      <p:pic>
+        <p:nvPicPr>
+          <p:cNvPr id="6" name="Imagem 7">
+            <a:extLst>
+              <a:ext uri="{FF2B5EF4-FFF2-40B4-BE49-F238E27FC236}">
+                <a16:creationId xmlns:a16="http://schemas.microsoft.com/office/drawing/2014/main" id="{EBBC6733-C5F3-4290-94AE-5902663DA8DB}"/>
+              </a:ext>
+            </a:extLst>
+          </p:cNvPr>
+          <p:cNvPicPr>
+            <a:picLocks noChangeAspect="1"/>
+          </p:cNvPicPr>
+          <p:nvPr/>
+        </p:nvPicPr>
+        <p:blipFill>
+          <a:blip r:embed="rId3">
+            <a:extLst>
+              <a:ext uri="{BEBA8EAE-BF5A-486C-A8C5-ECC9F3942E4B}">
+                <a14:imgProps xmlns:a14="http://schemas.microsoft.com/office/drawing/2010/main">
+                  <a14:imgLayer r:embed="rId4">
+                    <a14:imgEffect>
+                      <a14:backgroundRemoval t="0" b="100000" l="0" r="100000">
+                        <a14:foregroundMark x1="11409" y1="5926" x2="89262" y2="7407"/>
+                        <a14:foregroundMark x1="89262" y1="14074" x2="91275" y2="73333"/>
+                        <a14:foregroundMark x1="59060" y1="12593" x2="81879" y2="71111"/>
+                        <a14:foregroundMark x1="12081" y1="68148" x2="45638" y2="43704"/>
+                        <a14:foregroundMark x1="12081" y1="19259" x2="19463" y2="71852"/>
+                        <a14:foregroundMark x1="4698" y1="15556" x2="7383" y2="84444"/>
+                        <a14:foregroundMark x1="6040" y1="5926" x2="7383" y2="4444"/>
+                        <a14:foregroundMark x1="11409" y1="16296" x2="85235" y2="20000"/>
+                        <a14:foregroundMark x1="10738" y1="11111" x2="95973" y2="16296"/>
+                        <a14:foregroundMark x1="95302" y1="14815" x2="90604" y2="88889"/>
+                        <a14:foregroundMark x1="17450" y1="94074" x2="77181" y2="94074"/>
+                        <a14:backgroundMark x1="6711" y1="3704" x2="10067" y2="1481"/>
+                        <a14:backgroundMark x1="89262" y1="2222" x2="93289" y2="4444"/>
+                        <a14:backgroundMark x1="97987" y1="17037" x2="97987" y2="90370"/>
+                        <a14:backgroundMark x1="90604" y1="1481" x2="3356" y2="2222"/>
+                      </a14:backgroundRemoval>
+                    </a14:imgEffect>
+                  </a14:imgLayer>
+                </a14:imgProps>
+              </a:ext>
+            </a:extLst>
+          </a:blip>
+          <a:stretch>
+            <a:fillRect/>
+          </a:stretch>
+        </p:blipFill>
+        <p:spPr>
+          <a:xfrm>
+            <a:off x="2071687" y="1518992"/>
+            <a:ext cx="404813" cy="366777"/>
+          </a:xfrm>
+          <a:prstGeom prst="rect">
+            <a:avLst/>
+          </a:prstGeom>
+        </p:spPr>
+      </p:pic>
+      <p:sp>
+        <p:nvSpPr>
+          <p:cNvPr id="7" name="Retângulo 9">
+            <a:extLst>
+              <a:ext uri="{FF2B5EF4-FFF2-40B4-BE49-F238E27FC236}">
+                <a16:creationId xmlns:a16="http://schemas.microsoft.com/office/drawing/2014/main" id="{5E9F6377-0684-419F-9B00-070937F4B718}"/>
+              </a:ext>
+            </a:extLst>
+          </p:cNvPr>
+          <p:cNvSpPr/>
+          <p:nvPr/>
+        </p:nvSpPr>
+        <p:spPr>
+          <a:xfrm>
+            <a:off x="6610349" y="4222370"/>
+            <a:ext cx="889200" cy="676800"/>
+          </a:xfrm>
+          <a:prstGeom prst="rect">
+            <a:avLst/>
+          </a:prstGeom>
+          <a:blipFill dpi="0" rotWithShape="1">
+            <a:blip r:embed="rId5">
+              <a:alphaModFix amt="50000"/>
+            </a:blip>
+            <a:srcRect/>
+            <a:tile tx="0" ty="0" sx="100000" sy="100000" flip="none" algn="tl"/>
+          </a:blipFill>
+          <a:ln>
+            <a:noFill/>
+          </a:ln>
+        </p:spPr>
+        <p:style>
+          <a:lnRef idx="2">
+            <a:schemeClr val="accent1">
+              <a:shade val="50000"/>
+            </a:schemeClr>
+          </a:lnRef>
+          <a:fillRef idx="1">
+            <a:schemeClr val="accent1"/>
+          </a:fillRef>
+          <a:effectRef idx="0">
+            <a:schemeClr val="accent1"/>
+          </a:effectRef>
+          <a:fontRef idx="minor">
+            <a:schemeClr val="lt1"/>
+          </a:fontRef>
+        </p:style>
+        <p:txBody>
+          <a:bodyPr rtlCol="0" anchor="ctr"/>
+          <a:lstStyle/>
+          <a:p>
+            <a:pPr marL="0" marR="0" lvl="0" indent="0" algn="ctr" defTabSz="914400" rtl="0" eaLnBrk="1" fontAlgn="auto" latinLnBrk="0" hangingPunct="1">
+              <a:lnSpc>
+                <a:spcPct val="100000"/>
+              </a:lnSpc>
+              <a:spcBef>
+                <a:spcPts val="0"/>
+              </a:spcBef>
+              <a:spcAft>
+                <a:spcPts val="0"/>
+              </a:spcAft>
+              <a:buClrTx/>
+              <a:buSzTx/>
+              <a:buFontTx/>
+              <a:buNone/>
+              <a:tabLst/>
+              <a:defRPr/>
+            </a:pPr>
+            <a:endParaRPr kumimoji="0" lang="pt-BR" sz="1800" b="0" i="0" u="none" strike="noStrike" kern="1200" cap="none" spc="0" normalizeH="0" baseline="0" noProof="0">
+              <a:ln>
+                <a:noFill/>
+              </a:ln>
+              <a:solidFill>
+                <a:prstClr val="white"/>
+              </a:solidFill>
+              <a:effectLst/>
+              <a:uLnTx/>
+              <a:uFillTx/>
+              <a:latin typeface="Calibri" panose="020F0502020204030204"/>
+              <a:ea typeface="+mn-ea"/>
+              <a:cs typeface="+mn-cs"/>
+            </a:endParaRPr>
+          </a:p>
+        </p:txBody>
+      </p:sp>
+    </p:spTree>
+    <p:extLst>
+      <p:ext uri="{BB962C8B-B14F-4D97-AF65-F5344CB8AC3E}">
+        <p14:creationId xmlns:p14="http://schemas.microsoft.com/office/powerpoint/2010/main" val="454381907"/>
+      </p:ext>
+    </p:extLst>
+  </p:cSld>
+  <p:clrMapOvr>
+    <a:masterClrMapping/>
+  </p:clrMapOvr>
+</p:sld>
+</file>
+
+<file path=ppt/slides/slide2.xml><?xml version="1.0" encoding="utf-8"?>
+<p:sld xmlns:a="http://schemas.openxmlformats.org/drawingml/2006/main" xmlns:r="http://schemas.openxmlformats.org/officeDocument/2006/relationships" xmlns:p="http://schemas.openxmlformats.org/presentationml/2006/main">
+  <p:cSld>
+    <p:spTree>
+      <p:nvGrpSpPr>
+        <p:cNvPr id="1" name=""/>
+        <p:cNvGrpSpPr/>
+        <p:nvPr/>
+      </p:nvGrpSpPr>
+      <p:grpSpPr>
+        <a:xfrm>
+          <a:off x="0" y="0"/>
+          <a:ext cx="0" cy="0"/>
+          <a:chOff x="0" y="0"/>
+          <a:chExt cx="0" cy="0"/>
+        </a:xfrm>
+      </p:grpSpPr>
       <p:sp>
         <p:nvSpPr>
           <p:cNvPr id="13" name="Retângulo 12"/>
@@ -10565,17 +10801,10 @@
   <p:clrMapOvr>
     <a:masterClrMapping/>
   </p:clrMapOvr>
-  <p:timing>
-    <p:tnLst>
-      <p:par>
-        <p:cTn id="1" dur="indefinite" restart="never" nodeType="tmRoot"/>
-      </p:par>
-    </p:tnLst>
-  </p:timing>
 </p:sld>
 </file>
 
-<file path=ppt/slides/slide2.xml><?xml version="1.0" encoding="utf-8"?>
+<file path=ppt/slides/slide3.xml><?xml version="1.0" encoding="utf-8"?>
 <p:sld xmlns:a="http://schemas.openxmlformats.org/drawingml/2006/main" xmlns:r="http://schemas.openxmlformats.org/officeDocument/2006/relationships" xmlns:p="http://schemas.openxmlformats.org/presentationml/2006/main">
   <p:cSld>
     <p:spTree>
@@ -10891,13 +11120,6 @@
   <p:clrMapOvr>
     <a:masterClrMapping/>
   </p:clrMapOvr>
-  <p:timing>
-    <p:tnLst>
-      <p:par>
-        <p:cTn id="1" dur="indefinite" restart="never" nodeType="tmRoot"/>
-      </p:par>
-    </p:tnLst>
-  </p:timing>
 </p:sld>
 </file>
 
